--- a/_posts/2020-04-01-Quantum-Theory/assets/image.pptx
+++ b/_posts/2020-04-01-Quantum-Theory/assets/image.pptx
@@ -6,6 +6,7 @@
   </p:sldMasterIdLst>
   <p:sldIdLst>
     <p:sldId id="256" r:id="rId2"/>
+    <p:sldId id="257" r:id="rId3"/>
   </p:sldIdLst>
   <p:sldSz cx="12192000" cy="6858000"/>
   <p:notesSz cx="6858000" cy="9144000"/>
@@ -104,6 +105,11 @@
       </a:defRPr>
     </a:lvl9pPr>
   </p:defaultTextStyle>
+  <p:extLst>
+    <p:ext uri="{EFAFB233-063F-42B5-8137-9DF3F51BA10A}">
+      <p15:sldGuideLst xmlns:p15="http://schemas.microsoft.com/office/powerpoint/2012/main"/>
+    </p:ext>
+  </p:extLst>
 </p:presentation>
 </file>
 
@@ -3040,8 +3046,8 @@
           </a:fontRef>
         </p:style>
       </p:cxnSp>
-      <mc:AlternateContent xmlns:mc="http://schemas.openxmlformats.org/markup-compatibility/2006">
-        <mc:Choice xmlns:a14="http://schemas.microsoft.com/office/drawing/2010/main" Requires="a14">
+      <mc:AlternateContent xmlns:mc="http://schemas.openxmlformats.org/markup-compatibility/2006" xmlns:a14="http://schemas.microsoft.com/office/drawing/2010/main">
+        <mc:Choice Requires="a14">
           <p:sp>
             <p:nvSpPr>
               <p:cNvPr id="4" name="矩形 3"/>
@@ -3084,7 +3090,7 @@
             </p:txBody>
           </p:sp>
         </mc:Choice>
-        <mc:Fallback>
+        <mc:Fallback xmlns="">
           <p:sp>
             <p:nvSpPr>
               <p:cNvPr id="4" name="矩形 3"/>
@@ -3328,8 +3334,8 @@
           </a:p>
         </p:txBody>
       </p:sp>
-      <mc:AlternateContent xmlns:mc="http://schemas.openxmlformats.org/markup-compatibility/2006">
-        <mc:Choice xmlns:a14="http://schemas.microsoft.com/office/drawing/2010/main" Requires="a14">
+      <mc:AlternateContent xmlns:mc="http://schemas.openxmlformats.org/markup-compatibility/2006" xmlns:a14="http://schemas.microsoft.com/office/drawing/2010/main">
+        <mc:Choice Requires="a14">
           <p:sp>
             <p:nvSpPr>
               <p:cNvPr id="20" name="文本框 19"/>
@@ -3352,6 +3358,7 @@
               </a:bodyPr>
               <a:lstStyle/>
               <a:p>
+                <a:pPr/>
                 <a14:m>
                   <m:oMathPara xmlns:m="http://schemas.openxmlformats.org/officeDocument/2006/math">
                     <m:oMathParaPr>
@@ -3391,7 +3398,7 @@
             </p:txBody>
           </p:sp>
         </mc:Choice>
-        <mc:Fallback>
+        <mc:Fallback xmlns="">
           <p:sp>
             <p:nvSpPr>
               <p:cNvPr id="20" name="文本框 19"/>
@@ -3476,8 +3483,8 @@
           </a:p>
         </p:txBody>
       </p:sp>
-      <mc:AlternateContent xmlns:mc="http://schemas.openxmlformats.org/markup-compatibility/2006">
-        <mc:Choice xmlns:a14="http://schemas.microsoft.com/office/drawing/2010/main" Requires="a14">
+      <mc:AlternateContent xmlns:mc="http://schemas.openxmlformats.org/markup-compatibility/2006" xmlns:a14="http://schemas.microsoft.com/office/drawing/2010/main">
+        <mc:Choice Requires="a14">
           <p:sp>
             <p:nvSpPr>
               <p:cNvPr id="22" name="文本框 21"/>
@@ -3500,6 +3507,7 @@
               </a:bodyPr>
               <a:lstStyle/>
               <a:p>
+                <a:pPr/>
                 <a14:m>
                   <m:oMathPara xmlns:m="http://schemas.openxmlformats.org/officeDocument/2006/math">
                     <m:oMathParaPr>
@@ -3595,7 +3603,7 @@
             </p:txBody>
           </p:sp>
         </mc:Choice>
-        <mc:Fallback>
+        <mc:Fallback xmlns="">
           <p:sp>
             <p:nvSpPr>
               <p:cNvPr id="22" name="文本框 21"/>
@@ -3634,23 +3642,710 @@
           </p:sp>
         </mc:Fallback>
       </mc:AlternateContent>
+    </p:spTree>
+    <p:extLst>
+      <p:ext uri="{BB962C8B-B14F-4D97-AF65-F5344CB8AC3E}">
+        <p14:creationId xmlns:p14="http://schemas.microsoft.com/office/powerpoint/2010/main" val="3252465541"/>
+      </p:ext>
+    </p:extLst>
+  </p:cSld>
+  <p:clrMapOvr>
+    <a:masterClrMapping/>
+  </p:clrMapOvr>
+  <p:timing>
+    <p:tnLst>
+      <p:par>
+        <p:cTn id="1" dur="indefinite" restart="never" nodeType="tmRoot"/>
+      </p:par>
+    </p:tnLst>
+  </p:timing>
+</p:sld>
+</file>
+
+<file path=ppt/slides/slide2.xml><?xml version="1.0" encoding="utf-8"?>
+<p:sld xmlns:a="http://schemas.openxmlformats.org/drawingml/2006/main" xmlns:r="http://schemas.openxmlformats.org/officeDocument/2006/relationships" xmlns:p="http://schemas.openxmlformats.org/presentationml/2006/main">
+  <p:cSld>
+    <p:spTree>
+      <p:nvGrpSpPr>
+        <p:cNvPr id="1" name=""/>
+        <p:cNvGrpSpPr/>
+        <p:nvPr/>
+      </p:nvGrpSpPr>
+      <p:grpSpPr>
+        <a:xfrm>
+          <a:off x="0" y="0"/>
+          <a:ext cx="0" cy="0"/>
+          <a:chOff x="0" y="0"/>
+          <a:chExt cx="0" cy="0"/>
+        </a:xfrm>
+      </p:grpSpPr>
+      <p:cxnSp>
+        <p:nvCxnSpPr>
+          <p:cNvPr id="2" name="直接箭头连接符 1"/>
+          <p:cNvCxnSpPr/>
+          <p:nvPr/>
+        </p:nvCxnSpPr>
+        <p:spPr>
+          <a:xfrm flipV="1">
+            <a:off x="2128192" y="1797547"/>
+            <a:ext cx="0" cy="2160000"/>
+          </a:xfrm>
+          <a:prstGeom prst="straightConnector1">
+            <a:avLst/>
+          </a:prstGeom>
+          <a:ln w="28575">
+            <a:solidFill>
+              <a:schemeClr val="bg1">
+                <a:lumMod val="50000"/>
+              </a:schemeClr>
+            </a:solidFill>
+            <a:tailEnd type="triangle"/>
+          </a:ln>
+        </p:spPr>
+        <p:style>
+          <a:lnRef idx="1">
+            <a:schemeClr val="accent1"/>
+          </a:lnRef>
+          <a:fillRef idx="0">
+            <a:schemeClr val="accent1"/>
+          </a:fillRef>
+          <a:effectRef idx="0">
+            <a:schemeClr val="accent1"/>
+          </a:effectRef>
+          <a:fontRef idx="minor">
+            <a:schemeClr val="tx1"/>
+          </a:fontRef>
+        </p:style>
+      </p:cxnSp>
+      <p:cxnSp>
+        <p:nvCxnSpPr>
+          <p:cNvPr id="3" name="直接箭头连接符 2"/>
+          <p:cNvCxnSpPr/>
+          <p:nvPr/>
+        </p:nvCxnSpPr>
+        <p:spPr>
+          <a:xfrm flipV="1">
+            <a:off x="1110945" y="2877547"/>
+            <a:ext cx="2160000" cy="0"/>
+          </a:xfrm>
+          <a:prstGeom prst="straightConnector1">
+            <a:avLst/>
+          </a:prstGeom>
+          <a:ln w="28575">
+            <a:solidFill>
+              <a:schemeClr val="bg1">
+                <a:lumMod val="50000"/>
+              </a:schemeClr>
+            </a:solidFill>
+            <a:tailEnd type="triangle"/>
+          </a:ln>
+        </p:spPr>
+        <p:style>
+          <a:lnRef idx="1">
+            <a:schemeClr val="accent1"/>
+          </a:lnRef>
+          <a:fillRef idx="0">
+            <a:schemeClr val="accent1"/>
+          </a:fillRef>
+          <a:effectRef idx="0">
+            <a:schemeClr val="accent1"/>
+          </a:effectRef>
+          <a:fontRef idx="minor">
+            <a:schemeClr val="tx1"/>
+          </a:fontRef>
+        </p:style>
+      </p:cxnSp>
+      <mc:AlternateContent xmlns:mc="http://schemas.openxmlformats.org/markup-compatibility/2006">
+        <mc:Choice xmlns:a14="http://schemas.microsoft.com/office/drawing/2010/main" Requires="a14">
+          <p:sp>
+            <p:nvSpPr>
+              <p:cNvPr id="4" name="矩形 3"/>
+              <p:cNvSpPr/>
+              <p:nvPr/>
+            </p:nvSpPr>
+            <p:spPr>
+              <a:xfrm>
+                <a:off x="2785452" y="1717456"/>
+                <a:ext cx="395493" cy="369332"/>
+              </a:xfrm>
+              <a:prstGeom prst="rect">
+                <a:avLst/>
+              </a:prstGeom>
+            </p:spPr>
+            <p:txBody>
+              <a:bodyPr wrap="none">
+                <a:spAutoFit/>
+              </a:bodyPr>
+              <a:lstStyle/>
+              <a:p>
+                <a:pPr/>
+                <a14:m>
+                  <m:oMathPara xmlns:m="http://schemas.openxmlformats.org/officeDocument/2006/math">
+                    <m:oMathParaPr>
+                      <m:jc m:val="centerGroup"/>
+                    </m:oMathParaPr>
+                    <m:oMath xmlns:m="http://schemas.openxmlformats.org/officeDocument/2006/math">
+                      <m:r>
+                        <a:rPr lang="en-US" altLang="zh-CN" b="0" i="1" smtClean="0">
+                          <a:latin typeface="Cambria Math" panose="02040503050406030204" pitchFamily="18" charset="0"/>
+                        </a:rPr>
+                        <m:t>𝑓</m:t>
+                      </m:r>
+                    </m:oMath>
+                  </m:oMathPara>
+                </a14:m>
+                <a:endParaRPr lang="zh-CN" altLang="en-US" dirty="0"/>
+              </a:p>
+            </p:txBody>
+          </p:sp>
+        </mc:Choice>
+        <mc:Fallback>
+          <p:sp>
+            <p:nvSpPr>
+              <p:cNvPr id="4" name="矩形 3"/>
+              <p:cNvSpPr>
+                <a:spLocks noRot="1" noChangeAspect="1" noMove="1" noResize="1" noEditPoints="1" noAdjustHandles="1" noChangeArrowheads="1" noChangeShapeType="1" noTextEdit="1"/>
+              </p:cNvSpPr>
+              <p:nvPr/>
+            </p:nvSpPr>
+            <p:spPr>
+              <a:xfrm>
+                <a:off x="2785452" y="1717456"/>
+                <a:ext cx="395493" cy="369332"/>
+              </a:xfrm>
+              <a:prstGeom prst="rect">
+                <a:avLst/>
+              </a:prstGeom>
+              <a:blipFill>
+                <a:blip r:embed="rId2"/>
+                <a:stretch>
+                  <a:fillRect b="-13333"/>
+                </a:stretch>
+              </a:blipFill>
+            </p:spPr>
+            <p:txBody>
+              <a:bodyPr/>
+              <a:lstStyle/>
+              <a:p>
+                <a:r>
+                  <a:rPr lang="zh-CN" altLang="en-US">
+                    <a:noFill/>
+                  </a:rPr>
+                  <a:t> </a:t>
+                </a:r>
+              </a:p>
+            </p:txBody>
+          </p:sp>
+        </mc:Fallback>
+      </mc:AlternateContent>
+      <p:cxnSp>
+        <p:nvCxnSpPr>
+          <p:cNvPr id="12" name="直接箭头连接符 11"/>
+          <p:cNvCxnSpPr/>
+          <p:nvPr/>
+        </p:nvCxnSpPr>
+        <p:spPr>
+          <a:xfrm flipV="1">
+            <a:off x="1228192" y="1977547"/>
+            <a:ext cx="1800000" cy="1800000"/>
+          </a:xfrm>
+          <a:prstGeom prst="straightConnector1">
+            <a:avLst/>
+          </a:prstGeom>
+          <a:ln w="28575">
+            <a:solidFill>
+              <a:schemeClr val="tx1"/>
+            </a:solidFill>
+            <a:headEnd type="none" w="med" len="med"/>
+            <a:tailEnd type="none" w="med" len="med"/>
+          </a:ln>
+        </p:spPr>
+        <p:style>
+          <a:lnRef idx="1">
+            <a:schemeClr val="accent1"/>
+          </a:lnRef>
+          <a:fillRef idx="0">
+            <a:schemeClr val="accent1"/>
+          </a:fillRef>
+          <a:effectRef idx="0">
+            <a:schemeClr val="accent1"/>
+          </a:effectRef>
+          <a:fontRef idx="minor">
+            <a:schemeClr val="tx1"/>
+          </a:fontRef>
+        </p:style>
+      </p:cxnSp>
+      <p:cxnSp>
+        <p:nvCxnSpPr>
+          <p:cNvPr id="17" name="直接箭头连接符 16"/>
+          <p:cNvCxnSpPr/>
+          <p:nvPr/>
+        </p:nvCxnSpPr>
+        <p:spPr>
+          <a:xfrm>
+            <a:off x="1110945" y="2576276"/>
+            <a:ext cx="2160000" cy="0"/>
+          </a:xfrm>
+          <a:prstGeom prst="straightConnector1">
+            <a:avLst/>
+          </a:prstGeom>
+          <a:ln w="28575">
+            <a:solidFill>
+              <a:schemeClr val="tx1"/>
+            </a:solidFill>
+            <a:prstDash val="dash"/>
+            <a:headEnd type="none" w="med" len="med"/>
+            <a:tailEnd type="none" w="med" len="med"/>
+          </a:ln>
+        </p:spPr>
+        <p:style>
+          <a:lnRef idx="1">
+            <a:schemeClr val="accent1"/>
+          </a:lnRef>
+          <a:fillRef idx="0">
+            <a:schemeClr val="accent1"/>
+          </a:fillRef>
+          <a:effectRef idx="0">
+            <a:schemeClr val="accent1"/>
+          </a:effectRef>
+          <a:fontRef idx="minor">
+            <a:schemeClr val="tx1"/>
+          </a:fontRef>
+        </p:style>
+      </p:cxnSp>
+      <p:cxnSp>
+        <p:nvCxnSpPr>
+          <p:cNvPr id="19" name="直接箭头连接符 18"/>
+          <p:cNvCxnSpPr/>
+          <p:nvPr/>
+        </p:nvCxnSpPr>
+        <p:spPr>
+          <a:xfrm>
+            <a:off x="1110945" y="3176912"/>
+            <a:ext cx="2160000" cy="0"/>
+          </a:xfrm>
+          <a:prstGeom prst="straightConnector1">
+            <a:avLst/>
+          </a:prstGeom>
+          <a:ln w="28575">
+            <a:solidFill>
+              <a:schemeClr val="tx1"/>
+            </a:solidFill>
+            <a:prstDash val="dash"/>
+            <a:headEnd type="none" w="med" len="med"/>
+            <a:tailEnd type="none" w="med" len="med"/>
+          </a:ln>
+        </p:spPr>
+        <p:style>
+          <a:lnRef idx="1">
+            <a:schemeClr val="accent1"/>
+          </a:lnRef>
+          <a:fillRef idx="0">
+            <a:schemeClr val="accent1"/>
+          </a:fillRef>
+          <a:effectRef idx="0">
+            <a:schemeClr val="accent1"/>
+          </a:effectRef>
+          <a:fontRef idx="minor">
+            <a:schemeClr val="tx1"/>
+          </a:fontRef>
+        </p:style>
+      </p:cxnSp>
+      <p:cxnSp>
+        <p:nvCxnSpPr>
+          <p:cNvPr id="20" name="直接箭头连接符 19"/>
+          <p:cNvCxnSpPr/>
+          <p:nvPr/>
+        </p:nvCxnSpPr>
+        <p:spPr>
+          <a:xfrm flipV="1">
+            <a:off x="1829951" y="2578393"/>
+            <a:ext cx="598730" cy="598731"/>
+          </a:xfrm>
+          <a:prstGeom prst="straightConnector1">
+            <a:avLst/>
+          </a:prstGeom>
+          <a:ln w="38100">
+            <a:solidFill>
+              <a:srgbClr val="FF0000"/>
+            </a:solidFill>
+            <a:headEnd type="none" w="med" len="med"/>
+            <a:tailEnd type="none" w="med" len="med"/>
+          </a:ln>
+        </p:spPr>
+        <p:style>
+          <a:lnRef idx="1">
+            <a:schemeClr val="accent1"/>
+          </a:lnRef>
+          <a:fillRef idx="0">
+            <a:schemeClr val="accent1"/>
+          </a:fillRef>
+          <a:effectRef idx="0">
+            <a:schemeClr val="accent1"/>
+          </a:effectRef>
+          <a:fontRef idx="minor">
+            <a:schemeClr val="tx1"/>
+          </a:fontRef>
+        </p:style>
+      </p:cxnSp>
+      <p:cxnSp>
+        <p:nvCxnSpPr>
+          <p:cNvPr id="23" name="直接箭头连接符 22"/>
+          <p:cNvCxnSpPr/>
+          <p:nvPr/>
+        </p:nvCxnSpPr>
+        <p:spPr>
+          <a:xfrm>
+            <a:off x="1091764" y="2875641"/>
+            <a:ext cx="738187" cy="0"/>
+          </a:xfrm>
+          <a:prstGeom prst="straightConnector1">
+            <a:avLst/>
+          </a:prstGeom>
+          <a:ln w="38100">
+            <a:solidFill>
+              <a:srgbClr val="FF0000"/>
+            </a:solidFill>
+            <a:headEnd type="none" w="med" len="med"/>
+            <a:tailEnd type="none" w="med" len="med"/>
+          </a:ln>
+        </p:spPr>
+        <p:style>
+          <a:lnRef idx="1">
+            <a:schemeClr val="accent1"/>
+          </a:lnRef>
+          <a:fillRef idx="0">
+            <a:schemeClr val="accent1"/>
+          </a:fillRef>
+          <a:effectRef idx="0">
+            <a:schemeClr val="accent1"/>
+          </a:effectRef>
+          <a:fontRef idx="minor">
+            <a:schemeClr val="tx1"/>
+          </a:fontRef>
+        </p:style>
+      </p:cxnSp>
+      <p:cxnSp>
+        <p:nvCxnSpPr>
+          <p:cNvPr id="25" name="直接箭头连接符 24"/>
+          <p:cNvCxnSpPr/>
+          <p:nvPr/>
+        </p:nvCxnSpPr>
+        <p:spPr>
+          <a:xfrm>
+            <a:off x="2428681" y="2875641"/>
+            <a:ext cx="738187" cy="0"/>
+          </a:xfrm>
+          <a:prstGeom prst="straightConnector1">
+            <a:avLst/>
+          </a:prstGeom>
+          <a:ln w="38100">
+            <a:solidFill>
+              <a:srgbClr val="FF0000"/>
+            </a:solidFill>
+            <a:headEnd type="none" w="med" len="med"/>
+            <a:tailEnd type="none" w="med" len="med"/>
+          </a:ln>
+        </p:spPr>
+        <p:style>
+          <a:lnRef idx="1">
+            <a:schemeClr val="accent1"/>
+          </a:lnRef>
+          <a:fillRef idx="0">
+            <a:schemeClr val="accent1"/>
+          </a:fillRef>
+          <a:effectRef idx="0">
+            <a:schemeClr val="accent1"/>
+          </a:effectRef>
+          <a:fontRef idx="minor">
+            <a:schemeClr val="tx1"/>
+          </a:fontRef>
+        </p:style>
+      </p:cxnSp>
+      <mc:AlternateContent xmlns:mc="http://schemas.openxmlformats.org/markup-compatibility/2006">
+        <mc:Choice xmlns:a14="http://schemas.microsoft.com/office/drawing/2010/main" Requires="a14">
+          <p:sp>
+            <p:nvSpPr>
+              <p:cNvPr id="26" name="文本框 25"/>
+              <p:cNvSpPr txBox="1"/>
+              <p:nvPr/>
+            </p:nvSpPr>
+            <p:spPr>
+              <a:xfrm>
+                <a:off x="1857375" y="2168525"/>
+                <a:ext cx="238125" cy="369332"/>
+              </a:xfrm>
+              <a:prstGeom prst="rect">
+                <a:avLst/>
+              </a:prstGeom>
+              <a:noFill/>
+            </p:spPr>
+            <p:txBody>
+              <a:bodyPr wrap="square" rtlCol="0">
+                <a:spAutoFit/>
+              </a:bodyPr>
+              <a:lstStyle/>
+              <a:p>
+                <a14:m>
+                  <m:oMathPara xmlns:m="http://schemas.openxmlformats.org/officeDocument/2006/math">
+                    <m:oMathParaPr>
+                      <m:jc m:val="centerGroup"/>
+                    </m:oMathParaPr>
+                    <m:oMath xmlns:m="http://schemas.openxmlformats.org/officeDocument/2006/math">
+                      <m:r>
+                        <a:rPr lang="en-US" altLang="zh-CN" b="0" i="1" dirty="0" smtClean="0">
+                          <a:latin typeface="Cambria Math" panose="02040503050406030204" pitchFamily="18" charset="0"/>
+                        </a:rPr>
+                        <m:t>𝑛</m:t>
+                      </m:r>
+                    </m:oMath>
+                  </m:oMathPara>
+                </a14:m>
+                <a:endParaRPr lang="zh-CN" altLang="en-US" dirty="0"/>
+              </a:p>
+            </p:txBody>
+          </p:sp>
+        </mc:Choice>
+        <mc:Fallback>
+          <p:sp>
+            <p:nvSpPr>
+              <p:cNvPr id="26" name="文本框 25"/>
+              <p:cNvSpPr txBox="1">
+                <a:spLocks noRot="1" noChangeAspect="1" noMove="1" noResize="1" noEditPoints="1" noAdjustHandles="1" noChangeArrowheads="1" noChangeShapeType="1" noTextEdit="1"/>
+              </p:cNvSpPr>
+              <p:nvPr/>
+            </p:nvSpPr>
+            <p:spPr>
+              <a:xfrm>
+                <a:off x="1857375" y="2168525"/>
+                <a:ext cx="238125" cy="369332"/>
+              </a:xfrm>
+              <a:prstGeom prst="rect">
+                <a:avLst/>
+              </a:prstGeom>
+              <a:blipFill>
+                <a:blip r:embed="rId3"/>
+                <a:stretch>
+                  <a:fillRect r="-20513"/>
+                </a:stretch>
+              </a:blipFill>
+            </p:spPr>
+            <p:txBody>
+              <a:bodyPr/>
+              <a:lstStyle/>
+              <a:p>
+                <a:r>
+                  <a:rPr lang="zh-CN" altLang="en-US">
+                    <a:noFill/>
+                  </a:rPr>
+                  <a:t> </a:t>
+                </a:r>
+              </a:p>
+            </p:txBody>
+          </p:sp>
+        </mc:Fallback>
+      </mc:AlternateContent>
+      <mc:AlternateContent xmlns:mc="http://schemas.openxmlformats.org/markup-compatibility/2006">
+        <mc:Choice xmlns:a14="http://schemas.microsoft.com/office/drawing/2010/main" Requires="a14">
+          <p:sp>
+            <p:nvSpPr>
+              <p:cNvPr id="27" name="文本框 26"/>
+              <p:cNvSpPr txBox="1"/>
+              <p:nvPr/>
+            </p:nvSpPr>
+            <p:spPr>
+              <a:xfrm>
+                <a:off x="1741251" y="3175006"/>
+                <a:ext cx="449694" cy="369332"/>
+              </a:xfrm>
+              <a:prstGeom prst="rect">
+                <a:avLst/>
+              </a:prstGeom>
+              <a:noFill/>
+            </p:spPr>
+            <p:txBody>
+              <a:bodyPr wrap="square" rtlCol="0">
+                <a:spAutoFit/>
+              </a:bodyPr>
+              <a:lstStyle/>
+              <a:p>
+                <a:r>
+                  <a:rPr lang="en-US" altLang="zh-CN" dirty="0" smtClean="0"/>
+                  <a:t>-</a:t>
+                </a:r>
+                <a14:m>
+                  <m:oMath xmlns:m="http://schemas.openxmlformats.org/officeDocument/2006/math">
+                    <m:r>
+                      <a:rPr lang="en-US" altLang="zh-CN" b="0" i="1" dirty="0" smtClean="0">
+                        <a:latin typeface="Cambria Math" panose="02040503050406030204" pitchFamily="18" charset="0"/>
+                      </a:rPr>
+                      <m:t>𝑛</m:t>
+                    </m:r>
+                  </m:oMath>
+                </a14:m>
+                <a:endParaRPr lang="zh-CN" altLang="en-US" dirty="0"/>
+              </a:p>
+            </p:txBody>
+          </p:sp>
+        </mc:Choice>
+        <mc:Fallback>
+          <p:sp>
+            <p:nvSpPr>
+              <p:cNvPr id="27" name="文本框 26"/>
+              <p:cNvSpPr txBox="1">
+                <a:spLocks noRot="1" noChangeAspect="1" noMove="1" noResize="1" noEditPoints="1" noAdjustHandles="1" noChangeArrowheads="1" noChangeShapeType="1" noTextEdit="1"/>
+              </p:cNvSpPr>
+              <p:nvPr/>
+            </p:nvSpPr>
+            <p:spPr>
+              <a:xfrm>
+                <a:off x="1741251" y="3175006"/>
+                <a:ext cx="449694" cy="369332"/>
+              </a:xfrm>
+              <a:prstGeom prst="rect">
+                <a:avLst/>
+              </a:prstGeom>
+              <a:blipFill>
+                <a:blip r:embed="rId4"/>
+                <a:stretch>
+                  <a:fillRect l="-12329" t="-10000" b="-26667"/>
+                </a:stretch>
+              </a:blipFill>
+            </p:spPr>
+            <p:txBody>
+              <a:bodyPr/>
+              <a:lstStyle/>
+              <a:p>
+                <a:r>
+                  <a:rPr lang="zh-CN" altLang="en-US">
+                    <a:noFill/>
+                  </a:rPr>
+                  <a:t> </a:t>
+                </a:r>
+              </a:p>
+            </p:txBody>
+          </p:sp>
+        </mc:Fallback>
+      </mc:AlternateContent>
+      <mc:AlternateContent xmlns:mc="http://schemas.openxmlformats.org/markup-compatibility/2006">
+        <mc:Choice xmlns:a14="http://schemas.microsoft.com/office/drawing/2010/main" Requires="a14">
+          <p:sp>
+            <p:nvSpPr>
+              <p:cNvPr id="28" name="矩形 27"/>
+              <p:cNvSpPr/>
+              <p:nvPr/>
+            </p:nvSpPr>
+            <p:spPr>
+              <a:xfrm>
+                <a:off x="2835455" y="2526151"/>
+                <a:ext cx="450187" cy="369332"/>
+              </a:xfrm>
+              <a:prstGeom prst="rect">
+                <a:avLst/>
+              </a:prstGeom>
+            </p:spPr>
+            <p:txBody>
+              <a:bodyPr wrap="none">
+                <a:spAutoFit/>
+              </a:bodyPr>
+              <a:lstStyle/>
+              <a:p>
+                <a:pPr/>
+                <a14:m>
+                  <m:oMathPara xmlns:m="http://schemas.openxmlformats.org/officeDocument/2006/math">
+                    <m:oMathParaPr>
+                      <m:jc m:val="centerGroup"/>
+                    </m:oMathParaPr>
+                    <m:oMath xmlns:m="http://schemas.openxmlformats.org/officeDocument/2006/math">
+                      <m:sSub>
+                        <m:sSubPr>
+                          <m:ctrlPr>
+                            <a:rPr lang="en-US" altLang="zh-CN" b="0" i="1" smtClean="0">
+                              <a:latin typeface="Cambria Math" panose="02040503050406030204" pitchFamily="18" charset="0"/>
+                            </a:rPr>
+                          </m:ctrlPr>
+                        </m:sSubPr>
+                        <m:e>
+                          <m:r>
+                            <a:rPr lang="en-US" altLang="zh-CN" b="0" i="1" smtClean="0">
+                              <a:latin typeface="Cambria Math" panose="02040503050406030204" pitchFamily="18" charset="0"/>
+                            </a:rPr>
+                            <m:t>𝑓</m:t>
+                          </m:r>
+                        </m:e>
+                        <m:sub>
+                          <m:r>
+                            <a:rPr lang="en-US" altLang="zh-CN" b="0" i="1" smtClean="0">
+                              <a:latin typeface="Cambria Math" panose="02040503050406030204" pitchFamily="18" charset="0"/>
+                            </a:rPr>
+                            <m:t>𝑛</m:t>
+                          </m:r>
+                        </m:sub>
+                      </m:sSub>
+                    </m:oMath>
+                  </m:oMathPara>
+                </a14:m>
+                <a:endParaRPr lang="zh-CN" altLang="en-US" dirty="0"/>
+              </a:p>
+            </p:txBody>
+          </p:sp>
+        </mc:Choice>
+        <mc:Fallback>
+          <p:sp>
+            <p:nvSpPr>
+              <p:cNvPr id="28" name="矩形 27"/>
+              <p:cNvSpPr>
+                <a:spLocks noRot="1" noChangeAspect="1" noMove="1" noResize="1" noEditPoints="1" noAdjustHandles="1" noChangeArrowheads="1" noChangeShapeType="1" noTextEdit="1"/>
+              </p:cNvSpPr>
+              <p:nvPr/>
+            </p:nvSpPr>
+            <p:spPr>
+              <a:xfrm>
+                <a:off x="2835455" y="2526151"/>
+                <a:ext cx="450187" cy="369332"/>
+              </a:xfrm>
+              <a:prstGeom prst="rect">
+                <a:avLst/>
+              </a:prstGeom>
+              <a:blipFill>
+                <a:blip r:embed="rId5"/>
+                <a:stretch>
+                  <a:fillRect b="-13115"/>
+                </a:stretch>
+              </a:blipFill>
+            </p:spPr>
+            <p:txBody>
+              <a:bodyPr/>
+              <a:lstStyle/>
+              <a:p>
+                <a:r>
+                  <a:rPr lang="zh-CN" altLang="en-US">
+                    <a:noFill/>
+                  </a:rPr>
+                  <a:t> </a:t>
+                </a:r>
+              </a:p>
+            </p:txBody>
+          </p:sp>
+        </mc:Fallback>
+      </mc:AlternateContent>
       <p:pic>
         <p:nvPicPr>
-          <p:cNvPr id="24" name="图片 23"/>
+          <p:cNvPr id="29" name="图片 28"/>
           <p:cNvPicPr>
             <a:picLocks noChangeAspect="1"/>
           </p:cNvPicPr>
           <p:nvPr/>
         </p:nvPicPr>
         <p:blipFill rotWithShape="1">
-          <a:blip r:embed="rId5"/>
-          <a:srcRect l="12913" t="22956" r="57142" b="38461"/>
+          <a:blip r:embed="rId6"/>
+          <a:srcRect l="8056" t="24074" r="71805" b="41605"/>
           <a:stretch/>
         </p:blipFill>
         <p:spPr>
           <a:xfrm>
-            <a:off x="-863600" y="558800"/>
-            <a:ext cx="5537200" cy="4013200"/>
+            <a:off x="5054600" y="1594372"/>
+            <a:ext cx="3683000" cy="3530600"/>
           </a:xfrm>
           <a:prstGeom prst="rect">
             <a:avLst/>
@@ -3660,7 +4355,7 @@
     </p:spTree>
     <p:extLst>
       <p:ext uri="{BB962C8B-B14F-4D97-AF65-F5344CB8AC3E}">
-        <p14:creationId xmlns:p14="http://schemas.microsoft.com/office/powerpoint/2010/main" val="3252465541"/>
+        <p14:creationId xmlns:p14="http://schemas.microsoft.com/office/powerpoint/2010/main" val="1566035340"/>
       </p:ext>
     </p:extLst>
   </p:cSld>
